--- a/VerslagWord/plaatjes.pptx
+++ b/VerslagWord/plaatjes.pptx
@@ -3103,10 +3103,10 @@
         </p:nvGrpSpPr>
         <p:grpSpPr>
           <a:xfrm>
-            <a:off x="171128" y="234284"/>
-            <a:ext cx="5192960" cy="2762668"/>
-            <a:chOff x="171128" y="234284"/>
-            <a:chExt cx="5192960" cy="2762668"/>
+            <a:off x="171127" y="234284"/>
+            <a:ext cx="5192961" cy="2762668"/>
+            <a:chOff x="171127" y="234284"/>
+            <a:chExt cx="5192961" cy="2762668"/>
           </a:xfrm>
         </p:grpSpPr>
         <p:sp>
@@ -3390,8 +3390,8 @@
           </p:nvSpPr>
           <p:spPr>
             <a:xfrm>
-              <a:off x="171128" y="1047858"/>
-              <a:ext cx="587212" cy="276999"/>
+              <a:off x="171127" y="1047858"/>
+              <a:ext cx="699917" cy="276999"/>
             </a:xfrm>
             <a:prstGeom prst="rect">
               <a:avLst/>
@@ -3399,7 +3399,7 @@
             <a:noFill/>
           </p:spPr>
           <p:txBody>
-            <a:bodyPr wrap="none" rtlCol="0">
+            <a:bodyPr wrap="square" rtlCol="0">
               <a:spAutoFit/>
             </a:bodyPr>
             <a:lstStyle/>
@@ -3422,8 +3422,8 @@
           </p:nvCxnSpPr>
           <p:spPr>
             <a:xfrm flipH="1" flipV="1">
-              <a:off x="464734" y="1324857"/>
-              <a:ext cx="67871" cy="248215"/>
+              <a:off x="521086" y="1324857"/>
+              <a:ext cx="11520" cy="248216"/>
             </a:xfrm>
             <a:prstGeom prst="line">
               <a:avLst/>
@@ -3552,8 +3552,8 @@
           </p:nvSpPr>
           <p:spPr>
             <a:xfrm>
-              <a:off x="4355976" y="2388978"/>
-              <a:ext cx="495970" cy="276999"/>
+              <a:off x="4211960" y="2388978"/>
+              <a:ext cx="639986" cy="276999"/>
             </a:xfrm>
             <a:prstGeom prst="rect">
               <a:avLst/>
@@ -3561,7 +3561,7 @@
             <a:noFill/>
           </p:spPr>
           <p:txBody>
-            <a:bodyPr wrap="none" rtlCol="0">
+            <a:bodyPr wrap="square" rtlCol="0">
               <a:spAutoFit/>
             </a:bodyPr>
             <a:lstStyle/>
@@ -3716,8 +3716,8 @@
           </p:nvCxnSpPr>
           <p:spPr>
             <a:xfrm flipV="1">
-              <a:off x="464734" y="810650"/>
-              <a:ext cx="67872" cy="237208"/>
+              <a:off x="521086" y="810650"/>
+              <a:ext cx="11520" cy="237208"/>
             </a:xfrm>
             <a:prstGeom prst="line">
               <a:avLst/>
